--- a/units/7/lessons/10/resources/petascale-lesson-7.10-slides.pptx
+++ b/units/7/lessons/10/resources/petascale-lesson-7.10-slides.pptx
@@ -9,7 +9,7 @@
   </p:notesMasterIdLst>
   <p:sldIdLst>
     <p:sldId id="273" r:id="rId2"/>
-    <p:sldId id="274" r:id="rId3"/>
+    <p:sldId id="275" r:id="rId3"/>
     <p:sldId id="256" r:id="rId4"/>
     <p:sldId id="257" r:id="rId5"/>
     <p:sldId id="258" r:id="rId6"/>
@@ -260,8 +260,11 @@
     </a:lvl9pPr>
   </p:defaultTextStyle>
   <p:extLst>
+    <p:ext uri="{EFAFB233-063F-42B5-8137-9DF3F51BA10A}">
+      <p15:sldGuideLst xmlns:p15="http://schemas.microsoft.com/office/powerpoint/2012/main"/>
+    </p:ext>
     <p:ext uri="http://customooxmlschemas.google.com/">
-      <go:slidesCustomData xmlns:go="http://customooxmlschemas.google.com/" xmlns:p15="http://schemas.microsoft.com/office/powerpoint/2012/main" xmlns:p14="http://schemas.microsoft.com/office/powerpoint/2010/main" xmlns:com="http://schemas.openxmlformats.org/drawingml/2006/compatibility" xmlns:pvml="urn:schemas-microsoft-com:office:powerpoint" xmlns:v="urn:schemas-microsoft-com:vml" xmlns:o="urn:schemas-microsoft-com:office:office" xmlns:dgm="http://schemas.openxmlformats.org/drawingml/2006/diagram" xmlns:c="http://schemas.openxmlformats.org/drawingml/2006/chart" xmlns:mv="urn:schemas-microsoft-com:mac:vml" xmlns:mc="http://schemas.openxmlformats.org/markup-compatibility/2006" xmlns="" r:id="rId23" roundtripDataSignature="AMtx7miUCqhs2YYJYdaWfOqUGq4Y+eD89Q=="/>
+      <go:slidesCustomData xmlns="" xmlns:mc="http://schemas.openxmlformats.org/markup-compatibility/2006" xmlns:mv="urn:schemas-microsoft-com:mac:vml" xmlns:c="http://schemas.openxmlformats.org/drawingml/2006/chart" xmlns:dgm="http://schemas.openxmlformats.org/drawingml/2006/diagram" xmlns:o="urn:schemas-microsoft-com:office:office" xmlns:v="urn:schemas-microsoft-com:vml" xmlns:pvml="urn:schemas-microsoft-com:office:powerpoint" xmlns:com="http://schemas.openxmlformats.org/drawingml/2006/compatibility" xmlns:p14="http://schemas.microsoft.com/office/powerpoint/2010/main" xmlns:p15="http://schemas.microsoft.com/office/powerpoint/2012/main" xmlns:go="http://customooxmlschemas.google.com/" r:id="rId23" roundtripDataSignature="AMtx7miUCqhs2YYJYdaWfOqUGq4Y+eD89Q=="/>
     </p:ext>
   </p:extLst>
 </p:presentation>
@@ -17627,7 +17630,7 @@
         </p:nvSpPr>
         <p:spPr>
           <a:xfrm>
-            <a:off x="754745" y="0"/>
+            <a:off x="754743" y="0"/>
             <a:ext cx="10682515" cy="6858000"/>
           </a:xfrm>
         </p:spPr>
@@ -17674,7 +17677,23 @@
                 <a:ea typeface="Times New Roman" charset="0"/>
                 <a:cs typeface="Times New Roman" charset="0"/>
               </a:rPr>
-              <a:t>CC BY-NC 4.0. To view a copy of this license, visit </a:t>
+              <a:t>CC </a:t>
+            </a:r>
+            <a:r>
+              <a:rPr lang="en-US" sz="2800" dirty="0">
+                <a:latin typeface="Times New Roman" charset="0"/>
+                <a:ea typeface="Times New Roman" charset="0"/>
+                <a:cs typeface="Times New Roman" charset="0"/>
+              </a:rPr>
+              <a:t>BY-SA </a:t>
+            </a:r>
+            <a:r>
+              <a:rPr lang="en-US" sz="2800" dirty="0">
+                <a:latin typeface="Times New Roman" charset="0"/>
+                <a:ea typeface="Times New Roman" charset="0"/>
+                <a:cs typeface="Times New Roman" charset="0"/>
+              </a:rPr>
+              <a:t>4.0. To view a copy of this license, visit </a:t>
             </a:r>
             <a:r>
               <a:rPr lang="en-US" sz="2800" dirty="0">
@@ -17683,7 +17702,16 @@
                 <a:cs typeface="Times New Roman" charset="0"/>
                 <a:hlinkClick r:id="rId2"/>
               </a:rPr>
-              <a:t>https://creativecommons.org/licenses/by-nc/4.0</a:t>
+              <a:t>https://</a:t>
+            </a:r>
+            <a:r>
+              <a:rPr lang="en-US" sz="2800" dirty="0">
+                <a:latin typeface="Times New Roman" charset="0"/>
+                <a:ea typeface="Times New Roman" charset="0"/>
+                <a:cs typeface="Times New Roman" charset="0"/>
+                <a:hlinkClick r:id="rId2"/>
+              </a:rPr>
+              <a:t>creativecommons.org/licenses/by-sa/4.0</a:t>
             </a:r>
             <a:r>
               <a:rPr lang="en-US" sz="2800" dirty="0">
@@ -17837,20 +17865,13 @@
     </p:spTree>
     <p:extLst>
       <p:ext uri="{BB962C8B-B14F-4D97-AF65-F5344CB8AC3E}">
-        <p14:creationId xmlns:p14="http://schemas.microsoft.com/office/powerpoint/2010/main" val="1904516279"/>
+        <p14:creationId xmlns:p14="http://schemas.microsoft.com/office/powerpoint/2010/main" val="377592797"/>
       </p:ext>
     </p:extLst>
   </p:cSld>
   <p:clrMapOvr>
     <a:masterClrMapping/>
   </p:clrMapOvr>
-  <p:timing>
-    <p:tnLst>
-      <p:par>
-        <p:cTn id="1" dur="indefinite" restart="never" nodeType="tmRoot"/>
-      </p:par>
-    </p:tnLst>
-  </p:timing>
 </p:sld>
 </file>
 

--- a/units/7/lessons/10/resources/petascale-lesson-7.10-slides.pptx
+++ b/units/7/lessons/10/resources/petascale-lesson-7.10-slides.pptx
@@ -264,7 +264,7 @@
       <p15:sldGuideLst xmlns:p15="http://schemas.microsoft.com/office/powerpoint/2012/main"/>
     </p:ext>
     <p:ext uri="http://customooxmlschemas.google.com/">
-      <go:slidesCustomData xmlns="" xmlns:mc="http://schemas.openxmlformats.org/markup-compatibility/2006" xmlns:mv="urn:schemas-microsoft-com:mac:vml" xmlns:c="http://schemas.openxmlformats.org/drawingml/2006/chart" xmlns:dgm="http://schemas.openxmlformats.org/drawingml/2006/diagram" xmlns:o="urn:schemas-microsoft-com:office:office" xmlns:v="urn:schemas-microsoft-com:vml" xmlns:pvml="urn:schemas-microsoft-com:office:powerpoint" xmlns:com="http://schemas.openxmlformats.org/drawingml/2006/compatibility" xmlns:p14="http://schemas.microsoft.com/office/powerpoint/2010/main" xmlns:p15="http://schemas.microsoft.com/office/powerpoint/2012/main" xmlns:go="http://customooxmlschemas.google.com/" r:id="rId23" roundtripDataSignature="AMtx7miUCqhs2YYJYdaWfOqUGq4Y+eD89Q=="/>
+      <go:slidesCustomData xmlns:go="http://customooxmlschemas.google.com/" xmlns:p15="http://schemas.microsoft.com/office/powerpoint/2012/main" xmlns:p14="http://schemas.microsoft.com/office/powerpoint/2010/main" xmlns:com="http://schemas.openxmlformats.org/drawingml/2006/compatibility" xmlns:pvml="urn:schemas-microsoft-com:office:powerpoint" xmlns:v="urn:schemas-microsoft-com:vml" xmlns:o="urn:schemas-microsoft-com:office:office" xmlns:dgm="http://schemas.openxmlformats.org/drawingml/2006/diagram" xmlns:c="http://schemas.openxmlformats.org/drawingml/2006/chart" xmlns:mv="urn:schemas-microsoft-com:mac:vml" xmlns:mc="http://schemas.openxmlformats.org/markup-compatibility/2006" xmlns="" r:id="rId23" roundtripDataSignature="AMtx7miUCqhs2YYJYdaWfOqUGq4Y+eD89Q=="/>
     </p:ext>
   </p:extLst>
 </p:presentation>
@@ -2007,8 +2007,8 @@
         </p:nvSpPr>
         <p:spPr>
           <a:xfrm>
-            <a:off x="1143225" y="685800"/>
-            <a:ext cx="4572225" cy="3429000"/>
+            <a:off x="381000" y="685800"/>
+            <a:ext cx="6096000" cy="3429000"/>
           </a:xfrm>
           <a:custGeom>
             <a:avLst/>
@@ -2111,8 +2111,8 @@
         </p:nvSpPr>
         <p:spPr>
           <a:xfrm>
-            <a:off x="1143225" y="685800"/>
-            <a:ext cx="4572225" cy="3429000"/>
+            <a:off x="381000" y="685800"/>
+            <a:ext cx="6096000" cy="3429000"/>
           </a:xfrm>
           <a:custGeom>
             <a:avLst/>
@@ -13085,14 +13085,6 @@
               </a:rPr>
               <a:t>Blue Waters Petascale Semester Curriculum v1.0</a:t>
             </a:r>
-            <a:r>
-              <a:rPr lang="en-US" sz="3600" dirty="0">
-                <a:latin typeface="Times New Roman" charset="0"/>
-                <a:ea typeface="Times New Roman" charset="0"/>
-                <a:cs typeface="Times New Roman" charset="0"/>
-              </a:rPr>
-              <a:t/>
-            </a:r>
             <a:br>
               <a:rPr lang="en-US" sz="3600" dirty="0">
                 <a:latin typeface="Times New Roman" charset="0"/>
@@ -13106,38 +13098,22 @@
                 <a:ea typeface="Times New Roman" charset="0"/>
                 <a:cs typeface="Times New Roman" charset="0"/>
               </a:rPr>
-              <a:t>Unit </a:t>
-            </a:r>
-            <a:r>
-              <a:rPr lang="en-US" sz="3600" b="1" dirty="0" smtClean="0">
-                <a:latin typeface="Times New Roman" charset="0"/>
-                <a:ea typeface="Times New Roman" charset="0"/>
-                <a:cs typeface="Times New Roman" charset="0"/>
-              </a:rPr>
-              <a:t>7: CUDA</a:t>
+              <a:t>Unit 7: CUDA</a:t>
             </a:r>
             <a:br>
-              <a:rPr lang="en-US" sz="3600" b="1" dirty="0" smtClean="0">
+              <a:rPr lang="en-US" sz="3600" b="1" dirty="0">
                 <a:latin typeface="Times New Roman" charset="0"/>
                 <a:ea typeface="Times New Roman" charset="0"/>
                 <a:cs typeface="Times New Roman" charset="0"/>
               </a:rPr>
             </a:br>
             <a:r>
-              <a:rPr lang="en-US" sz="3600" b="1" dirty="0" smtClean="0">
-                <a:latin typeface="Times New Roman" charset="0"/>
-                <a:ea typeface="Times New Roman" charset="0"/>
-                <a:cs typeface="Times New Roman" charset="0"/>
-              </a:rPr>
-              <a:t>Lesson </a:t>
-            </a:r>
-            <a:r>
               <a:rPr lang="en-US" sz="3600" b="1" dirty="0">
                 <a:latin typeface="Times New Roman" charset="0"/>
                 <a:ea typeface="Times New Roman" charset="0"/>
                 <a:cs typeface="Times New Roman" charset="0"/>
               </a:rPr>
-              <a:t>10: </a:t>
+              <a:t>Lesson 10: </a:t>
             </a:r>
             <a:r>
               <a:rPr lang="en-US" sz="3600" b="1" dirty="0" err="1">
@@ -13153,23 +13129,7 @@
                 <a:ea typeface="Times New Roman" charset="0"/>
                 <a:cs typeface="Times New Roman" charset="0"/>
               </a:rPr>
-              <a:t> for CUDA </a:t>
-            </a:r>
-            <a:r>
-              <a:rPr lang="en-US" sz="3600" b="1" dirty="0" smtClean="0">
-                <a:latin typeface="Times New Roman" charset="0"/>
-                <a:ea typeface="Times New Roman" charset="0"/>
-                <a:cs typeface="Times New Roman" charset="0"/>
-              </a:rPr>
-              <a:t>GPUs</a:t>
-            </a:r>
-            <a:r>
-              <a:rPr lang="en-US" sz="3600" b="1" dirty="0">
-                <a:latin typeface="Times New Roman" charset="0"/>
-                <a:ea typeface="Times New Roman" charset="0"/>
-                <a:cs typeface="Times New Roman" charset="0"/>
-              </a:rPr>
-              <a:t/>
+              <a:t> for CUDA GPUs</a:t>
             </a:r>
             <a:br>
               <a:rPr lang="en-US" sz="3600" b="1" dirty="0">
@@ -13200,23 +13160,7 @@
                 <a:ea typeface="Times New Roman" charset="0"/>
                 <a:cs typeface="Times New Roman" charset="0"/>
               </a:rPr>
-              <a:t> </a:t>
-            </a:r>
-            <a:r>
-              <a:rPr lang="en-US" sz="3600" i="1" dirty="0" smtClean="0">
-                <a:latin typeface="Times New Roman" charset="0"/>
-                <a:ea typeface="Times New Roman" charset="0"/>
-                <a:cs typeface="Times New Roman" charset="0"/>
-              </a:rPr>
-              <a:t>Rai</a:t>
-            </a:r>
-            <a:r>
-              <a:rPr lang="en-US" sz="3600" i="1" dirty="0">
-                <a:latin typeface="Times New Roman" charset="0"/>
-                <a:ea typeface="Times New Roman" charset="0"/>
-                <a:cs typeface="Times New Roman" charset="0"/>
-              </a:rPr>
-              <a:t/>
+              <a:t> Rai</a:t>
             </a:r>
             <a:br>
               <a:rPr lang="en-US" sz="3600" i="1" dirty="0">
@@ -13246,13 +13190,6 @@
   <p:clrMapOvr>
     <a:masterClrMapping/>
   </p:clrMapOvr>
-  <p:timing>
-    <p:tnLst>
-      <p:par>
-        <p:cTn id="1" dur="indefinite" restart="never" nodeType="tmRoot"/>
-      </p:par>
-    </p:tnLst>
-  </p:timing>
 </p:sld>
 </file>
 
@@ -13373,18 +13310,18 @@
               <a:buChar char="•"/>
             </a:pPr>
             <a:r>
-              <a:rPr lang="en-US"/>
+              <a:rPr lang="en-US" dirty="0"/>
               <a:t>A </a:t>
             </a:r>
             <a:r>
-              <a:rPr lang="en-US" i="1"/>
+              <a:rPr lang="en-US" i="1" dirty="0"/>
               <a:t>kernel function</a:t>
             </a:r>
             <a:r>
-              <a:rPr lang="en-US"/>
+              <a:rPr lang="en-US" dirty="0"/>
               <a:t> is a GPU function that is meant to be called from CPU code (*). </a:t>
             </a:r>
-            <a:endParaRPr/>
+            <a:endParaRPr dirty="0"/>
           </a:p>
           <a:p>
             <a:pPr marL="228600" lvl="0" indent="-228600" algn="l" rtl="0">
@@ -13404,10 +13341,10 @@
               <a:buChar char="•"/>
             </a:pPr>
             <a:r>
-              <a:rPr lang="en-US"/>
+              <a:rPr lang="en-US" dirty="0"/>
               <a:t>It gives it two fundamental characteristics:</a:t>
             </a:r>
-            <a:endParaRPr/>
+            <a:endParaRPr dirty="0"/>
           </a:p>
           <a:p>
             <a:pPr marL="685800" lvl="1" indent="-228600" algn="l" rtl="0">
@@ -13427,10 +13364,10 @@
               <a:buChar char="•"/>
             </a:pPr>
             <a:r>
-              <a:rPr lang="en-US"/>
+              <a:rPr lang="en-US" dirty="0"/>
               <a:t>kernels cannot explicitly return a value; all result data must be written to an array passed to the function (if computing a scalar, you will probably pass a one-element array);</a:t>
             </a:r>
-            <a:endParaRPr/>
+            <a:endParaRPr dirty="0"/>
           </a:p>
           <a:p>
             <a:pPr marL="685800" lvl="1" indent="-228600" algn="l" rtl="0">
@@ -13450,10 +13387,10 @@
               <a:buChar char="•"/>
             </a:pPr>
             <a:r>
-              <a:rPr lang="en-US"/>
+              <a:rPr lang="en-US" dirty="0"/>
               <a:t>kernels explicitly declare their thread hierarchy when called: i.e. the number of thread blocks and the number of threads per block (note that while a kernel is compiled once, it can be called multiple times with different block sizes or grid sizes).</a:t>
             </a:r>
-            <a:endParaRPr/>
+            <a:endParaRPr dirty="0"/>
           </a:p>
           <a:p>
             <a:pPr marL="228600" lvl="0" indent="-50800" algn="l" rtl="0">
@@ -13472,7 +13409,7 @@
               <a:buSzPts val="2800"/>
               <a:buNone/>
             </a:pPr>
-            <a:endParaRPr/>
+            <a:endParaRPr dirty="0"/>
           </a:p>
         </p:txBody>
       </p:sp>
@@ -13643,7 +13580,7 @@
               <a:buNone/>
             </a:pPr>
             <a:r>
-              <a:rPr lang="en-US" sz="2400" b="0" i="0" u="none" strike="noStrike" cap="none">
+              <a:rPr lang="en-US" sz="2400" b="0" i="0" u="none" strike="noStrike" cap="none" dirty="0">
                 <a:solidFill>
                   <a:schemeClr val="dk1"/>
                 </a:solidFill>
@@ -13654,7 +13591,7 @@
               </a:rPr>
               <a:t>@cuda.jit</a:t>
             </a:r>
-            <a:endParaRPr sz="2400">
+            <a:endParaRPr sz="2400" dirty="0">
               <a:solidFill>
                 <a:schemeClr val="dk1"/>
               </a:solidFill>
@@ -13675,7 +13612,7 @@
               <a:buNone/>
             </a:pPr>
             <a:r>
-              <a:rPr lang="en-US" sz="2400">
+              <a:rPr lang="en-US" sz="2400" dirty="0">
                 <a:solidFill>
                   <a:schemeClr val="dk1"/>
                 </a:solidFill>
@@ -13684,9 +13621,57 @@
                 <a:cs typeface="Calibri"/>
                 <a:sym typeface="Calibri"/>
               </a:rPr>
-              <a:t>def kernel_name(an_array):</a:t>
+              <a:t>def </a:t>
             </a:r>
-            <a:endParaRPr/>
+            <a:r>
+              <a:rPr lang="en-US" sz="2400" dirty="0" err="1">
+                <a:solidFill>
+                  <a:schemeClr val="dk1"/>
+                </a:solidFill>
+                <a:latin typeface="Calibri"/>
+                <a:ea typeface="Calibri"/>
+                <a:cs typeface="Calibri"/>
+                <a:sym typeface="Calibri"/>
+              </a:rPr>
+              <a:t>kernel_name</a:t>
+            </a:r>
+            <a:r>
+              <a:rPr lang="en-US" sz="2400" dirty="0">
+                <a:solidFill>
+                  <a:schemeClr val="dk1"/>
+                </a:solidFill>
+                <a:latin typeface="Calibri"/>
+                <a:ea typeface="Calibri"/>
+                <a:cs typeface="Calibri"/>
+                <a:sym typeface="Calibri"/>
+              </a:rPr>
+              <a:t>(</a:t>
+            </a:r>
+            <a:r>
+              <a:rPr lang="en-US" sz="2400" dirty="0" err="1">
+                <a:solidFill>
+                  <a:schemeClr val="dk1"/>
+                </a:solidFill>
+                <a:latin typeface="Calibri"/>
+                <a:ea typeface="Calibri"/>
+                <a:cs typeface="Calibri"/>
+                <a:sym typeface="Calibri"/>
+              </a:rPr>
+              <a:t>an_array</a:t>
+            </a:r>
+            <a:r>
+              <a:rPr lang="en-US" sz="2400" dirty="0">
+                <a:solidFill>
+                  <a:schemeClr val="dk1"/>
+                </a:solidFill>
+                <a:latin typeface="Calibri"/>
+                <a:ea typeface="Calibri"/>
+                <a:cs typeface="Calibri"/>
+                <a:sym typeface="Calibri"/>
+              </a:rPr>
+              <a:t>):</a:t>
+            </a:r>
+            <a:endParaRPr dirty="0"/>
           </a:p>
           <a:p>
             <a:pPr marL="0" marR="0" lvl="0" indent="0" algn="l" rtl="0">
@@ -13699,7 +13684,7 @@
               <a:buNone/>
             </a:pPr>
             <a:r>
-              <a:rPr lang="en-US" sz="2400">
+              <a:rPr lang="en-US" sz="2400" dirty="0">
                 <a:solidFill>
                   <a:schemeClr val="dk1"/>
                 </a:solidFill>
@@ -13710,7 +13695,7 @@
               </a:rPr>
               <a:t>    """</a:t>
             </a:r>
-            <a:endParaRPr/>
+            <a:endParaRPr dirty="0"/>
           </a:p>
           <a:p>
             <a:pPr marL="0" marR="0" lvl="0" indent="0" algn="l" rtl="0">
@@ -13723,7 +13708,7 @@
               <a:buNone/>
             </a:pPr>
             <a:r>
-              <a:rPr lang="en-US" sz="2400">
+              <a:rPr lang="en-US" sz="2400" dirty="0">
                 <a:solidFill>
                   <a:schemeClr val="dk1"/>
                 </a:solidFill>
@@ -13734,7 +13719,7 @@
               </a:rPr>
               <a:t>    Write kernel computation for each thread</a:t>
             </a:r>
-            <a:endParaRPr/>
+            <a:endParaRPr dirty="0"/>
           </a:p>
           <a:p>
             <a:pPr marL="0" marR="0" lvl="0" indent="0" algn="l" rtl="0">
@@ -13747,7 +13732,7 @@
               <a:buNone/>
             </a:pPr>
             <a:r>
-              <a:rPr lang="en-US" sz="2400">
+              <a:rPr lang="en-US" sz="2400" dirty="0">
                 <a:solidFill>
                   <a:schemeClr val="dk1"/>
                 </a:solidFill>
@@ -13758,7 +13743,7 @@
               </a:rPr>
               <a:t>    """</a:t>
             </a:r>
-            <a:endParaRPr/>
+            <a:endParaRPr dirty="0"/>
           </a:p>
           <a:p>
             <a:pPr marL="0" marR="0" lvl="0" indent="0" algn="l" rtl="0">
@@ -13771,7 +13756,7 @@
               <a:buNone/>
             </a:pPr>
             <a:r>
-              <a:rPr lang="en-US" sz="2400">
+              <a:rPr lang="en-US" sz="2400" dirty="0">
                 <a:solidFill>
                   <a:schemeClr val="dk1"/>
                 </a:solidFill>
@@ -13782,7 +13767,7 @@
               </a:rPr>
               <a:t>    # write code </a:t>
             </a:r>
-            <a:endParaRPr/>
+            <a:endParaRPr dirty="0"/>
           </a:p>
         </p:txBody>
       </p:sp>
@@ -13998,10 +13983,10 @@
               <a:buChar char="•"/>
             </a:pPr>
             <a:r>
-              <a:rPr lang="en-US"/>
+              <a:rPr lang="en-US" dirty="0"/>
               <a:t>A kernel is typically launched in the following way:</a:t>
             </a:r>
-            <a:endParaRPr/>
+            <a:endParaRPr dirty="0"/>
           </a:p>
           <a:p>
             <a:pPr marL="685800" lvl="1" indent="-228600" algn="l" rtl="0">
@@ -14021,10 +14006,10 @@
               <a:buChar char="•"/>
             </a:pPr>
             <a:r>
-              <a:rPr lang="en-US"/>
+              <a:rPr lang="en-US" dirty="0"/>
               <a:t>Instantiate the kernel proper, by specifying a number of blocks (or “blocks per grid”), and a number of threads per block. The product of the two will give the total number of threads launched. Kernel instantiation is done by taking the compiled kernel and indexing it with a tuple of integers.</a:t>
             </a:r>
-            <a:endParaRPr/>
+            <a:endParaRPr dirty="0"/>
           </a:p>
           <a:p>
             <a:pPr marL="685800" lvl="1" indent="-228600" algn="l" rtl="0">
@@ -14044,10 +14029,10 @@
               <a:buChar char="•"/>
             </a:pPr>
             <a:r>
-              <a:rPr lang="en-US"/>
+              <a:rPr lang="en-US" dirty="0"/>
               <a:t>Running the kernel, by passing it the input array (and any separate output arrays if necessary). By default, running a kernel is synchronous: the function returns when the kernel has finished executing and the data is synchronized back.</a:t>
             </a:r>
-            <a:endParaRPr/>
+            <a:endParaRPr dirty="0"/>
           </a:p>
         </p:txBody>
       </p:sp>
@@ -14314,10 +14299,10 @@
               <a:buChar char="•"/>
             </a:pPr>
             <a:r>
-              <a:rPr lang="en-US"/>
+              <a:rPr lang="en-US" dirty="0"/>
               <a:t>It might seem curious to have a two-level hierarchy when declaring the number of threads needed by a kernel. The block size (i.e. number of threads per block) is often crucial:</a:t>
             </a:r>
-            <a:endParaRPr/>
+            <a:endParaRPr dirty="0"/>
           </a:p>
           <a:p>
             <a:pPr marL="228600" lvl="0" indent="-228600" algn="l" rtl="0">
@@ -14337,11 +14322,11 @@
               <a:buChar char="•"/>
             </a:pPr>
             <a:r>
-              <a:rPr lang="en-US"/>
+              <a:rPr lang="en-US" dirty="0"/>
               <a:t>On the software side, the block size determines how many threads share a given area of </a:t>
             </a:r>
             <a:r>
-              <a:rPr lang="en-US" u="sng">
+              <a:rPr lang="en-US" u="sng" dirty="0">
                 <a:solidFill>
                   <a:schemeClr val="hlink"/>
                 </a:solidFill>
@@ -14350,10 +14335,10 @@
               <a:t>shared memory</a:t>
             </a:r>
             <a:r>
-              <a:rPr lang="en-US"/>
+              <a:rPr lang="en-US" dirty="0"/>
               <a:t>.</a:t>
             </a:r>
-            <a:endParaRPr/>
+            <a:endParaRPr dirty="0"/>
           </a:p>
           <a:p>
             <a:pPr marL="228600" lvl="0" indent="-228600" algn="l" rtl="0">
@@ -14373,11 +14358,11 @@
               <a:buChar char="•"/>
             </a:pPr>
             <a:r>
-              <a:rPr lang="en-US"/>
+              <a:rPr lang="en-US" dirty="0"/>
               <a:t>On the hardware side, the block size must be large enough for full occupation of execution units; recommendations can be found in the </a:t>
             </a:r>
             <a:r>
-              <a:rPr lang="en-US" u="sng">
+              <a:rPr lang="en-US" u="sng" dirty="0">
                 <a:solidFill>
                   <a:schemeClr val="hlink"/>
                 </a:solidFill>
@@ -14386,10 +14371,10 @@
               <a:t>CUDA C Programming Guide</a:t>
             </a:r>
             <a:r>
-              <a:rPr lang="en-US"/>
+              <a:rPr lang="en-US" dirty="0"/>
               <a:t>.</a:t>
             </a:r>
-            <a:endParaRPr/>
+            <a:endParaRPr dirty="0"/>
           </a:p>
           <a:p>
             <a:pPr marL="228600" lvl="0" indent="-228600" algn="l" rtl="0">
@@ -14409,11 +14394,11 @@
               <a:buChar char="•"/>
             </a:pPr>
             <a:r>
-              <a:rPr lang="en-US"/>
+              <a:rPr lang="en-US" dirty="0"/>
               <a:t>More details on blocks and grids: </a:t>
             </a:r>
             <a:r>
-              <a:rPr lang="en-US" u="sng">
+              <a:rPr lang="en-US" u="sng" dirty="0">
                 <a:solidFill>
                   <a:schemeClr val="hlink"/>
                 </a:solidFill>
@@ -14421,7 +14406,7 @@
               </a:rPr>
               <a:t>https://numba.pydata.org/numba-doc/latest/cuda/kernels.html</a:t>
             </a:r>
-            <a:endParaRPr/>
+            <a:endParaRPr dirty="0"/>
           </a:p>
           <a:p>
             <a:pPr marL="228600" lvl="0" indent="-50800" algn="l" rtl="0">
@@ -14440,7 +14425,7 @@
               <a:buSzPts val="2800"/>
               <a:buNone/>
             </a:pPr>
-            <a:endParaRPr/>
+            <a:endParaRPr dirty="0"/>
           </a:p>
         </p:txBody>
       </p:sp>
@@ -14569,10 +14554,10 @@
               <a:buChar char="•"/>
             </a:pPr>
             <a:r>
-              <a:rPr lang="en-US"/>
+              <a:rPr lang="en-US" dirty="0"/>
               <a:t>Let us check a simple example of subtracting two matrix</a:t>
             </a:r>
-            <a:endParaRPr/>
+            <a:endParaRPr dirty="0"/>
           </a:p>
           <a:p>
             <a:pPr marL="228600" lvl="0" indent="-228600" algn="l" rtl="0">
@@ -14592,10 +14577,10 @@
               <a:buChar char="•"/>
             </a:pPr>
             <a:r>
-              <a:rPr lang="en-US"/>
+              <a:rPr lang="en-US" dirty="0"/>
               <a:t>Suppose there are two 2D-matrix with all element values as 1(can be anything, selected 1 to subtract and get 0 result as shown in figure below)</a:t>
             </a:r>
-            <a:endParaRPr/>
+            <a:endParaRPr dirty="0"/>
           </a:p>
           <a:p>
             <a:pPr marL="228600" lvl="0" indent="-228600" algn="l" rtl="0">
@@ -14615,10 +14600,10 @@
               <a:buChar char="•"/>
             </a:pPr>
             <a:r>
-              <a:rPr lang="en-US"/>
+              <a:rPr lang="en-US" dirty="0"/>
               <a:t>We can use GPU to perform subtraction of each element instead of CPU serial subtraction</a:t>
             </a:r>
-            <a:endParaRPr/>
+            <a:endParaRPr dirty="0"/>
           </a:p>
           <a:p>
             <a:pPr marL="228600" lvl="0" indent="-228600" algn="l" rtl="0">
@@ -14638,10 +14623,26 @@
               <a:buChar char="•"/>
             </a:pPr>
             <a:r>
-              <a:rPr lang="en-US"/>
-              <a:t>We need to import cuda from numba to use in the python file</a:t>
+              <a:rPr lang="en-US" dirty="0"/>
+              <a:t>We need to import </a:t>
             </a:r>
-            <a:endParaRPr/>
+            <a:r>
+              <a:rPr lang="en-US" dirty="0" err="1"/>
+              <a:t>cuda</a:t>
+            </a:r>
+            <a:r>
+              <a:rPr lang="en-US" dirty="0"/>
+              <a:t> from </a:t>
+            </a:r>
+            <a:r>
+              <a:rPr lang="en-US" dirty="0" err="1"/>
+              <a:t>numba</a:t>
+            </a:r>
+            <a:r>
+              <a:rPr lang="en-US" dirty="0"/>
+              <a:t> to use in the python file</a:t>
+            </a:r>
+            <a:endParaRPr dirty="0"/>
           </a:p>
           <a:p>
             <a:pPr marL="0" lvl="0" indent="0" algn="l" rtl="0">
@@ -14660,7 +14661,7 @@
               <a:buSzPts val="2800"/>
               <a:buNone/>
             </a:pPr>
-            <a:endParaRPr/>
+            <a:endParaRPr dirty="0"/>
           </a:p>
         </p:txBody>
       </p:sp>
@@ -14682,9 +14683,299 @@
                 <a:tableStyleId>{439280B0-F447-4D44-ABE0-3E711CF2670E}</a:tableStyleId>
               </a:tblPr>
               <a:tblGrid>
-                <a:gridCol w="384050"/>
-                <a:gridCol w="384050"/>
-                <a:gridCol w="384050"/>
+                <a:gridCol w="384050">
+                  <a:extLst>
+                    <a:ext uri="{9D8B030D-6E8A-4147-A177-3AD203B41FA5}">
+                      <a16:colId xmlns:a16="http://schemas.microsoft.com/office/drawing/2014/main" val="20000"/>
+                    </a:ext>
+                  </a:extLst>
+                </a:gridCol>
+                <a:gridCol w="384050">
+                  <a:extLst>
+                    <a:ext uri="{9D8B030D-6E8A-4147-A177-3AD203B41FA5}">
+                      <a16:colId xmlns:a16="http://schemas.microsoft.com/office/drawing/2014/main" val="20001"/>
+                    </a:ext>
+                  </a:extLst>
+                </a:gridCol>
+                <a:gridCol w="384050">
+                  <a:extLst>
+                    <a:ext uri="{9D8B030D-6E8A-4147-A177-3AD203B41FA5}">
+                      <a16:colId xmlns:a16="http://schemas.microsoft.com/office/drawing/2014/main" val="20002"/>
+                    </a:ext>
+                  </a:extLst>
+                </a:gridCol>
+              </a:tblGrid>
+              <a:tr h="381000">
+                <a:tc>
+                  <a:txBody>
+                    <a:bodyPr/>
+                    <a:lstStyle/>
+                    <a:p>
+                      <a:pPr marL="0" lvl="0" indent="0" algn="l" rtl="0">
+                        <a:spcBef>
+                          <a:spcPts val="0"/>
+                        </a:spcBef>
+                        <a:spcAft>
+                          <a:spcPts val="0"/>
+                        </a:spcAft>
+                        <a:buNone/>
+                      </a:pPr>
+                      <a:r>
+                        <a:rPr lang="en-US" dirty="0"/>
+                        <a:t>1</a:t>
+                      </a:r>
+                      <a:endParaRPr dirty="0"/>
+                    </a:p>
+                  </a:txBody>
+                  <a:tcPr marL="91425" marR="91425" marT="91425" marB="91425"/>
+                </a:tc>
+                <a:tc>
+                  <a:txBody>
+                    <a:bodyPr/>
+                    <a:lstStyle/>
+                    <a:p>
+                      <a:pPr marL="0" lvl="0" indent="0" algn="l" rtl="0">
+                        <a:spcBef>
+                          <a:spcPts val="0"/>
+                        </a:spcBef>
+                        <a:spcAft>
+                          <a:spcPts val="0"/>
+                        </a:spcAft>
+                        <a:buNone/>
+                      </a:pPr>
+                      <a:r>
+                        <a:rPr lang="en-US" dirty="0"/>
+                        <a:t>1</a:t>
+                      </a:r>
+                      <a:endParaRPr dirty="0"/>
+                    </a:p>
+                  </a:txBody>
+                  <a:tcPr marL="91425" marR="91425" marT="91425" marB="91425"/>
+                </a:tc>
+                <a:tc>
+                  <a:txBody>
+                    <a:bodyPr/>
+                    <a:lstStyle/>
+                    <a:p>
+                      <a:pPr marL="0" lvl="0" indent="0" algn="l" rtl="0">
+                        <a:spcBef>
+                          <a:spcPts val="0"/>
+                        </a:spcBef>
+                        <a:spcAft>
+                          <a:spcPts val="0"/>
+                        </a:spcAft>
+                        <a:buNone/>
+                      </a:pPr>
+                      <a:r>
+                        <a:rPr lang="en-US"/>
+                        <a:t>1</a:t>
+                      </a:r>
+                      <a:endParaRPr/>
+                    </a:p>
+                  </a:txBody>
+                  <a:tcPr marL="91425" marR="91425" marT="91425" marB="91425"/>
+                </a:tc>
+                <a:extLst>
+                  <a:ext uri="{0D108BD9-81ED-4DB2-BD59-A6C34878D82A}">
+                    <a16:rowId xmlns:a16="http://schemas.microsoft.com/office/drawing/2014/main" val="10000"/>
+                  </a:ext>
+                </a:extLst>
+              </a:tr>
+              <a:tr h="381000">
+                <a:tc>
+                  <a:txBody>
+                    <a:bodyPr/>
+                    <a:lstStyle/>
+                    <a:p>
+                      <a:pPr marL="0" lvl="0" indent="0" algn="l" rtl="0">
+                        <a:spcBef>
+                          <a:spcPts val="0"/>
+                        </a:spcBef>
+                        <a:spcAft>
+                          <a:spcPts val="0"/>
+                        </a:spcAft>
+                        <a:buNone/>
+                      </a:pPr>
+                      <a:r>
+                        <a:rPr lang="en-US"/>
+                        <a:t>1</a:t>
+                      </a:r>
+                      <a:endParaRPr/>
+                    </a:p>
+                  </a:txBody>
+                  <a:tcPr marL="91425" marR="91425" marT="91425" marB="91425"/>
+                </a:tc>
+                <a:tc>
+                  <a:txBody>
+                    <a:bodyPr/>
+                    <a:lstStyle/>
+                    <a:p>
+                      <a:pPr marL="0" lvl="0" indent="0" algn="l" rtl="0">
+                        <a:spcBef>
+                          <a:spcPts val="0"/>
+                        </a:spcBef>
+                        <a:spcAft>
+                          <a:spcPts val="0"/>
+                        </a:spcAft>
+                        <a:buNone/>
+                      </a:pPr>
+                      <a:r>
+                        <a:rPr lang="en-US"/>
+                        <a:t>1</a:t>
+                      </a:r>
+                      <a:endParaRPr/>
+                    </a:p>
+                  </a:txBody>
+                  <a:tcPr marL="91425" marR="91425" marT="91425" marB="91425"/>
+                </a:tc>
+                <a:tc>
+                  <a:txBody>
+                    <a:bodyPr/>
+                    <a:lstStyle/>
+                    <a:p>
+                      <a:pPr marL="0" lvl="0" indent="0" algn="l" rtl="0">
+                        <a:spcBef>
+                          <a:spcPts val="0"/>
+                        </a:spcBef>
+                        <a:spcAft>
+                          <a:spcPts val="0"/>
+                        </a:spcAft>
+                        <a:buNone/>
+                      </a:pPr>
+                      <a:r>
+                        <a:rPr lang="en-US"/>
+                        <a:t>1</a:t>
+                      </a:r>
+                      <a:endParaRPr/>
+                    </a:p>
+                  </a:txBody>
+                  <a:tcPr marL="91425" marR="91425" marT="91425" marB="91425"/>
+                </a:tc>
+                <a:extLst>
+                  <a:ext uri="{0D108BD9-81ED-4DB2-BD59-A6C34878D82A}">
+                    <a16:rowId xmlns:a16="http://schemas.microsoft.com/office/drawing/2014/main" val="10001"/>
+                  </a:ext>
+                </a:extLst>
+              </a:tr>
+              <a:tr h="381000">
+                <a:tc>
+                  <a:txBody>
+                    <a:bodyPr/>
+                    <a:lstStyle/>
+                    <a:p>
+                      <a:pPr marL="0" lvl="0" indent="0" algn="l" rtl="0">
+                        <a:spcBef>
+                          <a:spcPts val="0"/>
+                        </a:spcBef>
+                        <a:spcAft>
+                          <a:spcPts val="0"/>
+                        </a:spcAft>
+                        <a:buNone/>
+                      </a:pPr>
+                      <a:r>
+                        <a:rPr lang="en-US"/>
+                        <a:t>1</a:t>
+                      </a:r>
+                      <a:endParaRPr/>
+                    </a:p>
+                  </a:txBody>
+                  <a:tcPr marL="91425" marR="91425" marT="91425" marB="91425"/>
+                </a:tc>
+                <a:tc>
+                  <a:txBody>
+                    <a:bodyPr/>
+                    <a:lstStyle/>
+                    <a:p>
+                      <a:pPr marL="0" lvl="0" indent="0" algn="l" rtl="0">
+                        <a:spcBef>
+                          <a:spcPts val="0"/>
+                        </a:spcBef>
+                        <a:spcAft>
+                          <a:spcPts val="0"/>
+                        </a:spcAft>
+                        <a:buNone/>
+                      </a:pPr>
+                      <a:r>
+                        <a:rPr lang="en-US"/>
+                        <a:t>1</a:t>
+                      </a:r>
+                      <a:endParaRPr/>
+                    </a:p>
+                  </a:txBody>
+                  <a:tcPr marL="91425" marR="91425" marT="91425" marB="91425"/>
+                </a:tc>
+                <a:tc>
+                  <a:txBody>
+                    <a:bodyPr/>
+                    <a:lstStyle/>
+                    <a:p>
+                      <a:pPr marL="0" lvl="0" indent="0" algn="l" rtl="0">
+                        <a:spcBef>
+                          <a:spcPts val="0"/>
+                        </a:spcBef>
+                        <a:spcAft>
+                          <a:spcPts val="0"/>
+                        </a:spcAft>
+                        <a:buNone/>
+                      </a:pPr>
+                      <a:r>
+                        <a:rPr lang="en-US" dirty="0"/>
+                        <a:t>1</a:t>
+                      </a:r>
+                      <a:endParaRPr dirty="0"/>
+                    </a:p>
+                  </a:txBody>
+                  <a:tcPr marL="91425" marR="91425" marT="91425" marB="91425"/>
+                </a:tc>
+                <a:extLst>
+                  <a:ext uri="{0D108BD9-81ED-4DB2-BD59-A6C34878D82A}">
+                    <a16:rowId xmlns:a16="http://schemas.microsoft.com/office/drawing/2014/main" val="10002"/>
+                  </a:ext>
+                </a:extLst>
+              </a:tr>
+            </a:tbl>
+          </a:graphicData>
+        </a:graphic>
+      </p:graphicFrame>
+      <p:graphicFrame>
+        <p:nvGraphicFramePr>
+          <p:cNvPr id="156" name="Google Shape;156;p12"/>
+          <p:cNvGraphicFramePr/>
+          <p:nvPr/>
+        </p:nvGraphicFramePr>
+        <p:xfrm>
+          <a:off x="4367375" y="5081150"/>
+          <a:ext cx="1152150" cy="1188630"/>
+        </p:xfrm>
+        <a:graphic>
+          <a:graphicData uri="http://schemas.openxmlformats.org/drawingml/2006/table">
+            <a:tbl>
+              <a:tblPr>
+                <a:noFill/>
+                <a:tableStyleId>{439280B0-F447-4D44-ABE0-3E711CF2670E}</a:tableStyleId>
+              </a:tblPr>
+              <a:tblGrid>
+                <a:gridCol w="384050">
+                  <a:extLst>
+                    <a:ext uri="{9D8B030D-6E8A-4147-A177-3AD203B41FA5}">
+                      <a16:colId xmlns:a16="http://schemas.microsoft.com/office/drawing/2014/main" val="20000"/>
+                    </a:ext>
+                  </a:extLst>
+                </a:gridCol>
+                <a:gridCol w="384050">
+                  <a:extLst>
+                    <a:ext uri="{9D8B030D-6E8A-4147-A177-3AD203B41FA5}">
+                      <a16:colId xmlns:a16="http://schemas.microsoft.com/office/drawing/2014/main" val="20001"/>
+                    </a:ext>
+                  </a:extLst>
+                </a:gridCol>
+                <a:gridCol w="384050">
+                  <a:extLst>
+                    <a:ext uri="{9D8B030D-6E8A-4147-A177-3AD203B41FA5}">
+                      <a16:colId xmlns:a16="http://schemas.microsoft.com/office/drawing/2014/main" val="20002"/>
+                    </a:ext>
+                  </a:extLst>
+                </a:gridCol>
               </a:tblGrid>
               <a:tr h="381000">
                 <a:tc>
@@ -14756,6 +15047,11 @@
                   </a:txBody>
                   <a:tcPr marL="91425" marR="91425" marT="91425" marB="91425"/>
                 </a:tc>
+                <a:extLst>
+                  <a:ext uri="{0D108BD9-81ED-4DB2-BD59-A6C34878D82A}">
+                    <a16:rowId xmlns:a16="http://schemas.microsoft.com/office/drawing/2014/main" val="10000"/>
+                  </a:ext>
+                </a:extLst>
               </a:tr>
               <a:tr h="381000">
                 <a:tc>
@@ -14827,6 +15123,11 @@
                   </a:txBody>
                   <a:tcPr marL="91425" marR="91425" marT="91425" marB="91425"/>
                 </a:tc>
+                <a:extLst>
+                  <a:ext uri="{0D108BD9-81ED-4DB2-BD59-A6C34878D82A}">
+                    <a16:rowId xmlns:a16="http://schemas.microsoft.com/office/drawing/2014/main" val="10001"/>
+                  </a:ext>
+                </a:extLst>
               </a:tr>
               <a:tr h="381000">
                 <a:tc>
@@ -14898,245 +15199,11 @@
                   </a:txBody>
                   <a:tcPr marL="91425" marR="91425" marT="91425" marB="91425"/>
                 </a:tc>
-              </a:tr>
-            </a:tbl>
-          </a:graphicData>
-        </a:graphic>
-      </p:graphicFrame>
-      <p:graphicFrame>
-        <p:nvGraphicFramePr>
-          <p:cNvPr id="156" name="Google Shape;156;p12"/>
-          <p:cNvGraphicFramePr/>
-          <p:nvPr/>
-        </p:nvGraphicFramePr>
-        <p:xfrm>
-          <a:off x="4367375" y="5081150"/>
-          <a:ext cx="1152150" cy="1188630"/>
-        </p:xfrm>
-        <a:graphic>
-          <a:graphicData uri="http://schemas.openxmlformats.org/drawingml/2006/table">
-            <a:tbl>
-              <a:tblPr>
-                <a:noFill/>
-                <a:tableStyleId>{439280B0-F447-4D44-ABE0-3E711CF2670E}</a:tableStyleId>
-              </a:tblPr>
-              <a:tblGrid>
-                <a:gridCol w="384050"/>
-                <a:gridCol w="384050"/>
-                <a:gridCol w="384050"/>
-              </a:tblGrid>
-              <a:tr h="381000">
-                <a:tc>
-                  <a:txBody>
-                    <a:bodyPr/>
-                    <a:lstStyle/>
-                    <a:p>
-                      <a:pPr marL="0" lvl="0" indent="0" algn="l" rtl="0">
-                        <a:spcBef>
-                          <a:spcPts val="0"/>
-                        </a:spcBef>
-                        <a:spcAft>
-                          <a:spcPts val="0"/>
-                        </a:spcAft>
-                        <a:buNone/>
-                      </a:pPr>
-                      <a:r>
-                        <a:rPr lang="en-US"/>
-                        <a:t>1</a:t>
-                      </a:r>
-                      <a:endParaRPr/>
-                    </a:p>
-                  </a:txBody>
-                  <a:tcPr marL="91425" marR="91425" marT="91425" marB="91425"/>
-                </a:tc>
-                <a:tc>
-                  <a:txBody>
-                    <a:bodyPr/>
-                    <a:lstStyle/>
-                    <a:p>
-                      <a:pPr marL="0" lvl="0" indent="0" algn="l" rtl="0">
-                        <a:spcBef>
-                          <a:spcPts val="0"/>
-                        </a:spcBef>
-                        <a:spcAft>
-                          <a:spcPts val="0"/>
-                        </a:spcAft>
-                        <a:buNone/>
-                      </a:pPr>
-                      <a:r>
-                        <a:rPr lang="en-US"/>
-                        <a:t>1</a:t>
-                      </a:r>
-                      <a:endParaRPr/>
-                    </a:p>
-                  </a:txBody>
-                  <a:tcPr marL="91425" marR="91425" marT="91425" marB="91425"/>
-                </a:tc>
-                <a:tc>
-                  <a:txBody>
-                    <a:bodyPr/>
-                    <a:lstStyle/>
-                    <a:p>
-                      <a:pPr marL="0" lvl="0" indent="0" algn="l" rtl="0">
-                        <a:spcBef>
-                          <a:spcPts val="0"/>
-                        </a:spcBef>
-                        <a:spcAft>
-                          <a:spcPts val="0"/>
-                        </a:spcAft>
-                        <a:buNone/>
-                      </a:pPr>
-                      <a:r>
-                        <a:rPr lang="en-US"/>
-                        <a:t>1</a:t>
-                      </a:r>
-                      <a:endParaRPr/>
-                    </a:p>
-                  </a:txBody>
-                  <a:tcPr marL="91425" marR="91425" marT="91425" marB="91425"/>
-                </a:tc>
-              </a:tr>
-              <a:tr h="381000">
-                <a:tc>
-                  <a:txBody>
-                    <a:bodyPr/>
-                    <a:lstStyle/>
-                    <a:p>
-                      <a:pPr marL="0" lvl="0" indent="0" algn="l" rtl="0">
-                        <a:spcBef>
-                          <a:spcPts val="0"/>
-                        </a:spcBef>
-                        <a:spcAft>
-                          <a:spcPts val="0"/>
-                        </a:spcAft>
-                        <a:buNone/>
-                      </a:pPr>
-                      <a:r>
-                        <a:rPr lang="en-US"/>
-                        <a:t>1</a:t>
-                      </a:r>
-                      <a:endParaRPr/>
-                    </a:p>
-                  </a:txBody>
-                  <a:tcPr marL="91425" marR="91425" marT="91425" marB="91425"/>
-                </a:tc>
-                <a:tc>
-                  <a:txBody>
-                    <a:bodyPr/>
-                    <a:lstStyle/>
-                    <a:p>
-                      <a:pPr marL="0" lvl="0" indent="0" algn="l" rtl="0">
-                        <a:spcBef>
-                          <a:spcPts val="0"/>
-                        </a:spcBef>
-                        <a:spcAft>
-                          <a:spcPts val="0"/>
-                        </a:spcAft>
-                        <a:buNone/>
-                      </a:pPr>
-                      <a:r>
-                        <a:rPr lang="en-US"/>
-                        <a:t>1</a:t>
-                      </a:r>
-                      <a:endParaRPr/>
-                    </a:p>
-                  </a:txBody>
-                  <a:tcPr marL="91425" marR="91425" marT="91425" marB="91425"/>
-                </a:tc>
-                <a:tc>
-                  <a:txBody>
-                    <a:bodyPr/>
-                    <a:lstStyle/>
-                    <a:p>
-                      <a:pPr marL="0" lvl="0" indent="0" algn="l" rtl="0">
-                        <a:spcBef>
-                          <a:spcPts val="0"/>
-                        </a:spcBef>
-                        <a:spcAft>
-                          <a:spcPts val="0"/>
-                        </a:spcAft>
-                        <a:buNone/>
-                      </a:pPr>
-                      <a:r>
-                        <a:rPr lang="en-US"/>
-                        <a:t>1</a:t>
-                      </a:r>
-                      <a:endParaRPr/>
-                    </a:p>
-                  </a:txBody>
-                  <a:tcPr marL="91425" marR="91425" marT="91425" marB="91425"/>
-                </a:tc>
-              </a:tr>
-              <a:tr h="381000">
-                <a:tc>
-                  <a:txBody>
-                    <a:bodyPr/>
-                    <a:lstStyle/>
-                    <a:p>
-                      <a:pPr marL="0" lvl="0" indent="0" algn="l" rtl="0">
-                        <a:spcBef>
-                          <a:spcPts val="0"/>
-                        </a:spcBef>
-                        <a:spcAft>
-                          <a:spcPts val="0"/>
-                        </a:spcAft>
-                        <a:buNone/>
-                      </a:pPr>
-                      <a:r>
-                        <a:rPr lang="en-US"/>
-                        <a:t>1</a:t>
-                      </a:r>
-                      <a:endParaRPr/>
-                    </a:p>
-                  </a:txBody>
-                  <a:tcPr marL="91425" marR="91425" marT="91425" marB="91425"/>
-                </a:tc>
-                <a:tc>
-                  <a:txBody>
-                    <a:bodyPr/>
-                    <a:lstStyle/>
-                    <a:p>
-                      <a:pPr marL="0" lvl="0" indent="0" algn="l" rtl="0">
-                        <a:spcBef>
-                          <a:spcPts val="0"/>
-                        </a:spcBef>
-                        <a:spcAft>
-                          <a:spcPts val="0"/>
-                        </a:spcAft>
-                        <a:buNone/>
-                      </a:pPr>
-                      <a:r>
-                        <a:rPr lang="en-US"/>
-                        <a:t>1</a:t>
-                      </a:r>
-                      <a:endParaRPr/>
-                    </a:p>
-                  </a:txBody>
-                  <a:tcPr marL="91425" marR="91425" marT="91425" marB="91425"/>
-                </a:tc>
-                <a:tc>
-                  <a:txBody>
-                    <a:bodyPr/>
-                    <a:lstStyle/>
-                    <a:p>
-                      <a:pPr marL="0" lvl="0" indent="0" algn="l" rtl="0">
-                        <a:spcBef>
-                          <a:spcPts val="0"/>
-                        </a:spcBef>
-                        <a:spcAft>
-                          <a:spcPts val="0"/>
-                        </a:spcAft>
-                        <a:buNone/>
-                      </a:pPr>
-                      <a:r>
-                        <a:rPr lang="en-US"/>
-                        <a:t>1</a:t>
-                      </a:r>
-                      <a:endParaRPr/>
-                    </a:p>
-                  </a:txBody>
-                  <a:tcPr marL="91425" marR="91425" marT="91425" marB="91425"/>
-                </a:tc>
+                <a:extLst>
+                  <a:ext uri="{0D108BD9-81ED-4DB2-BD59-A6C34878D82A}">
+                    <a16:rowId xmlns:a16="http://schemas.microsoft.com/office/drawing/2014/main" val="10002"/>
+                  </a:ext>
+                </a:extLst>
               </a:tr>
             </a:tbl>
           </a:graphicData>
@@ -15160,9 +15227,27 @@
                 <a:tableStyleId>{439280B0-F447-4D44-ABE0-3E711CF2670E}</a:tableStyleId>
               </a:tblPr>
               <a:tblGrid>
-                <a:gridCol w="382850"/>
-                <a:gridCol w="382850"/>
-                <a:gridCol w="382850"/>
+                <a:gridCol w="382850">
+                  <a:extLst>
+                    <a:ext uri="{9D8B030D-6E8A-4147-A177-3AD203B41FA5}">
+                      <a16:colId xmlns:a16="http://schemas.microsoft.com/office/drawing/2014/main" val="20000"/>
+                    </a:ext>
+                  </a:extLst>
+                </a:gridCol>
+                <a:gridCol w="382850">
+                  <a:extLst>
+                    <a:ext uri="{9D8B030D-6E8A-4147-A177-3AD203B41FA5}">
+                      <a16:colId xmlns:a16="http://schemas.microsoft.com/office/drawing/2014/main" val="20001"/>
+                    </a:ext>
+                  </a:extLst>
+                </a:gridCol>
+                <a:gridCol w="382850">
+                  <a:extLst>
+                    <a:ext uri="{9D8B030D-6E8A-4147-A177-3AD203B41FA5}">
+                      <a16:colId xmlns:a16="http://schemas.microsoft.com/office/drawing/2014/main" val="20002"/>
+                    </a:ext>
+                  </a:extLst>
+                </a:gridCol>
               </a:tblGrid>
               <a:tr h="392400">
                 <a:tc>
@@ -15234,6 +15319,11 @@
                   </a:txBody>
                   <a:tcPr marL="91425" marR="91425" marT="91425" marB="91425"/>
                 </a:tc>
+                <a:extLst>
+                  <a:ext uri="{0D108BD9-81ED-4DB2-BD59-A6C34878D82A}">
+                    <a16:rowId xmlns:a16="http://schemas.microsoft.com/office/drawing/2014/main" val="10000"/>
+                  </a:ext>
+                </a:extLst>
               </a:tr>
               <a:tr h="392400">
                 <a:tc>
@@ -15305,6 +15395,11 @@
                   </a:txBody>
                   <a:tcPr marL="91425" marR="91425" marT="91425" marB="91425"/>
                 </a:tc>
+                <a:extLst>
+                  <a:ext uri="{0D108BD9-81ED-4DB2-BD59-A6C34878D82A}">
+                    <a16:rowId xmlns:a16="http://schemas.microsoft.com/office/drawing/2014/main" val="10001"/>
+                  </a:ext>
+                </a:extLst>
               </a:tr>
               <a:tr h="392400">
                 <a:tc>
@@ -15376,6 +15471,11 @@
                   </a:txBody>
                   <a:tcPr marL="91425" marR="91425" marT="91425" marB="91425"/>
                 </a:tc>
+                <a:extLst>
+                  <a:ext uri="{0D108BD9-81ED-4DB2-BD59-A6C34878D82A}">
+                    <a16:rowId xmlns:a16="http://schemas.microsoft.com/office/drawing/2014/main" val="10002"/>
+                  </a:ext>
+                </a:extLst>
               </a:tr>
             </a:tbl>
           </a:graphicData>
@@ -16075,7 +16175,7 @@
               <a:buNone/>
             </a:pPr>
             <a:r>
-              <a:rPr lang="en-US" sz="1800">
+              <a:rPr lang="en-US" sz="1800" dirty="0">
                 <a:solidFill>
                   <a:schemeClr val="lt1"/>
                 </a:solidFill>
@@ -16086,7 +16186,7 @@
               </a:rPr>
               <a:t>The example shows a kernel which adds elements from 2D array A and B corresponding to thread id</a:t>
             </a:r>
-            <a:endParaRPr/>
+            <a:endParaRPr dirty="0"/>
           </a:p>
         </p:txBody>
       </p:sp>
@@ -17037,7 +17137,7 @@
               <a:buNone/>
             </a:pPr>
             <a:r>
-              <a:rPr lang="en-US" sz="2000">
+              <a:rPr lang="en-US" sz="2000" dirty="0">
                 <a:solidFill>
                   <a:schemeClr val="dk1"/>
                 </a:solidFill>
@@ -17048,7 +17148,7 @@
               </a:rPr>
               <a:t># Start the kernel </a:t>
             </a:r>
-            <a:endParaRPr/>
+            <a:endParaRPr dirty="0"/>
           </a:p>
           <a:p>
             <a:pPr marL="0" marR="0" lvl="0" indent="0" algn="l" rtl="0">
@@ -17061,7 +17161,7 @@
               <a:buNone/>
             </a:pPr>
             <a:r>
-              <a:rPr lang="en-US" sz="2000">
+              <a:rPr lang="en-US" sz="2000" dirty="0" err="1">
                 <a:solidFill>
                   <a:schemeClr val="dk1"/>
                 </a:solidFill>
@@ -17070,22 +17170,10 @@
                 <a:cs typeface="Calibri"/>
                 <a:sym typeface="Calibri"/>
               </a:rPr>
-              <a:t>kernel_op[blockspergrid, threadsperblock](A_global_mem, B_global_mem, C_global_mem)</a:t>
+              <a:t>kernel_op</a:t>
             </a:r>
-            <a:endParaRPr/>
-          </a:p>
-          <a:p>
-            <a:pPr marL="0" marR="0" lvl="0" indent="0" algn="l" rtl="0">
-              <a:spcBef>
-                <a:spcPts val="0"/>
-              </a:spcBef>
-              <a:spcAft>
-                <a:spcPts val="0"/>
-              </a:spcAft>
-              <a:buNone/>
-            </a:pPr>
             <a:r>
-              <a:rPr lang="en-US" sz="2000">
+              <a:rPr lang="en-US" sz="2000" dirty="0">
                 <a:solidFill>
                   <a:schemeClr val="dk1"/>
                 </a:solidFill>
@@ -17094,30 +17182,10 @@
                 <a:cs typeface="Calibri"/>
                 <a:sym typeface="Calibri"/>
               </a:rPr>
-              <a:t>#copy the result to cpu</a:t>
+              <a:t>[</a:t>
             </a:r>
-            <a:endParaRPr sz="2000">
-              <a:solidFill>
-                <a:schemeClr val="dk1"/>
-              </a:solidFill>
-              <a:latin typeface="Calibri"/>
-              <a:ea typeface="Calibri"/>
-              <a:cs typeface="Calibri"/>
-              <a:sym typeface="Calibri"/>
-            </a:endParaRPr>
-          </a:p>
-          <a:p>
-            <a:pPr marL="0" marR="0" lvl="0" indent="0" algn="l" rtl="0">
-              <a:spcBef>
-                <a:spcPts val="0"/>
-              </a:spcBef>
-              <a:spcAft>
-                <a:spcPts val="0"/>
-              </a:spcAft>
-              <a:buNone/>
-            </a:pPr>
             <a:r>
-              <a:rPr lang="en-US" sz="2000">
+              <a:rPr lang="en-US" sz="2000" dirty="0" err="1">
                 <a:solidFill>
                   <a:schemeClr val="dk1"/>
                 </a:solidFill>
@@ -17126,9 +17194,209 @@
                 <a:cs typeface="Calibri"/>
                 <a:sym typeface="Calibri"/>
               </a:rPr>
-              <a:t>res = C_global_mem.copy_to_host()</a:t>
+              <a:t>blockspergrid</a:t>
             </a:r>
-            <a:endParaRPr/>
+            <a:r>
+              <a:rPr lang="en-US" sz="2000" dirty="0">
+                <a:solidFill>
+                  <a:schemeClr val="dk1"/>
+                </a:solidFill>
+                <a:latin typeface="Calibri"/>
+                <a:ea typeface="Calibri"/>
+                <a:cs typeface="Calibri"/>
+                <a:sym typeface="Calibri"/>
+              </a:rPr>
+              <a:t>, </a:t>
+            </a:r>
+            <a:r>
+              <a:rPr lang="en-US" sz="2000" dirty="0" err="1">
+                <a:solidFill>
+                  <a:schemeClr val="dk1"/>
+                </a:solidFill>
+                <a:latin typeface="Calibri"/>
+                <a:ea typeface="Calibri"/>
+                <a:cs typeface="Calibri"/>
+                <a:sym typeface="Calibri"/>
+              </a:rPr>
+              <a:t>threadsperblock</a:t>
+            </a:r>
+            <a:r>
+              <a:rPr lang="en-US" sz="2000" dirty="0">
+                <a:solidFill>
+                  <a:schemeClr val="dk1"/>
+                </a:solidFill>
+                <a:latin typeface="Calibri"/>
+                <a:ea typeface="Calibri"/>
+                <a:cs typeface="Calibri"/>
+                <a:sym typeface="Calibri"/>
+              </a:rPr>
+              <a:t>](</a:t>
+            </a:r>
+            <a:r>
+              <a:rPr lang="en-US" sz="2000" dirty="0" err="1">
+                <a:solidFill>
+                  <a:schemeClr val="dk1"/>
+                </a:solidFill>
+                <a:latin typeface="Calibri"/>
+                <a:ea typeface="Calibri"/>
+                <a:cs typeface="Calibri"/>
+                <a:sym typeface="Calibri"/>
+              </a:rPr>
+              <a:t>A_global_mem</a:t>
+            </a:r>
+            <a:r>
+              <a:rPr lang="en-US" sz="2000" dirty="0">
+                <a:solidFill>
+                  <a:schemeClr val="dk1"/>
+                </a:solidFill>
+                <a:latin typeface="Calibri"/>
+                <a:ea typeface="Calibri"/>
+                <a:cs typeface="Calibri"/>
+                <a:sym typeface="Calibri"/>
+              </a:rPr>
+              <a:t>, </a:t>
+            </a:r>
+            <a:r>
+              <a:rPr lang="en-US" sz="2000" dirty="0" err="1">
+                <a:solidFill>
+                  <a:schemeClr val="dk1"/>
+                </a:solidFill>
+                <a:latin typeface="Calibri"/>
+                <a:ea typeface="Calibri"/>
+                <a:cs typeface="Calibri"/>
+                <a:sym typeface="Calibri"/>
+              </a:rPr>
+              <a:t>B_global_mem</a:t>
+            </a:r>
+            <a:r>
+              <a:rPr lang="en-US" sz="2000" dirty="0">
+                <a:solidFill>
+                  <a:schemeClr val="dk1"/>
+                </a:solidFill>
+                <a:latin typeface="Calibri"/>
+                <a:ea typeface="Calibri"/>
+                <a:cs typeface="Calibri"/>
+                <a:sym typeface="Calibri"/>
+              </a:rPr>
+              <a:t>, </a:t>
+            </a:r>
+            <a:r>
+              <a:rPr lang="en-US" sz="2000" dirty="0" err="1">
+                <a:solidFill>
+                  <a:schemeClr val="dk1"/>
+                </a:solidFill>
+                <a:latin typeface="Calibri"/>
+                <a:ea typeface="Calibri"/>
+                <a:cs typeface="Calibri"/>
+                <a:sym typeface="Calibri"/>
+              </a:rPr>
+              <a:t>C_global_mem</a:t>
+            </a:r>
+            <a:r>
+              <a:rPr lang="en-US" sz="2000" dirty="0">
+                <a:solidFill>
+                  <a:schemeClr val="dk1"/>
+                </a:solidFill>
+                <a:latin typeface="Calibri"/>
+                <a:ea typeface="Calibri"/>
+                <a:cs typeface="Calibri"/>
+                <a:sym typeface="Calibri"/>
+              </a:rPr>
+              <a:t>)</a:t>
+            </a:r>
+            <a:endParaRPr dirty="0"/>
+          </a:p>
+          <a:p>
+            <a:pPr marL="0" marR="0" lvl="0" indent="0" algn="l" rtl="0">
+              <a:spcBef>
+                <a:spcPts val="0"/>
+              </a:spcBef>
+              <a:spcAft>
+                <a:spcPts val="0"/>
+              </a:spcAft>
+              <a:buNone/>
+            </a:pPr>
+            <a:r>
+              <a:rPr lang="en-US" sz="2000" dirty="0">
+                <a:solidFill>
+                  <a:schemeClr val="dk1"/>
+                </a:solidFill>
+                <a:latin typeface="Calibri"/>
+                <a:ea typeface="Calibri"/>
+                <a:cs typeface="Calibri"/>
+                <a:sym typeface="Calibri"/>
+              </a:rPr>
+              <a:t>#copy the result to </a:t>
+            </a:r>
+            <a:r>
+              <a:rPr lang="en-US" sz="2000" dirty="0" err="1">
+                <a:solidFill>
+                  <a:schemeClr val="dk1"/>
+                </a:solidFill>
+                <a:latin typeface="Calibri"/>
+                <a:ea typeface="Calibri"/>
+                <a:cs typeface="Calibri"/>
+                <a:sym typeface="Calibri"/>
+              </a:rPr>
+              <a:t>cpu</a:t>
+            </a:r>
+            <a:endParaRPr sz="2000" dirty="0">
+              <a:solidFill>
+                <a:schemeClr val="dk1"/>
+              </a:solidFill>
+              <a:latin typeface="Calibri"/>
+              <a:ea typeface="Calibri"/>
+              <a:cs typeface="Calibri"/>
+              <a:sym typeface="Calibri"/>
+            </a:endParaRPr>
+          </a:p>
+          <a:p>
+            <a:pPr marL="0" marR="0" lvl="0" indent="0" algn="l" rtl="0">
+              <a:spcBef>
+                <a:spcPts val="0"/>
+              </a:spcBef>
+              <a:spcAft>
+                <a:spcPts val="0"/>
+              </a:spcAft>
+              <a:buNone/>
+            </a:pPr>
+            <a:r>
+              <a:rPr lang="en-US" sz="2000" dirty="0">
+                <a:solidFill>
+                  <a:schemeClr val="dk1"/>
+                </a:solidFill>
+                <a:latin typeface="Calibri"/>
+                <a:ea typeface="Calibri"/>
+                <a:cs typeface="Calibri"/>
+                <a:sym typeface="Calibri"/>
+              </a:rPr>
+              <a:t>res = </a:t>
+            </a:r>
+            <a:r>
+              <a:rPr lang="en-US" sz="2000" dirty="0" err="1">
+                <a:solidFill>
+                  <a:schemeClr val="dk1"/>
+                </a:solidFill>
+                <a:latin typeface="Calibri"/>
+                <a:ea typeface="Calibri"/>
+                <a:cs typeface="Calibri"/>
+                <a:sym typeface="Calibri"/>
+              </a:rPr>
+              <a:t>C_global_mem.copy_to_host</a:t>
+            </a:r>
+            <a:r>
+              <a:rPr lang="en-US" sz="2000" dirty="0">
+                <a:solidFill>
+                  <a:schemeClr val="dk1"/>
+                </a:solidFill>
+                <a:latin typeface="Calibri"/>
+                <a:ea typeface="Calibri"/>
+                <a:cs typeface="Calibri"/>
+                <a:sym typeface="Calibri"/>
+              </a:rPr>
+              <a:t>()</a:t>
+            </a:r>
+            <a:endParaRPr dirty="0"/>
           </a:p>
         </p:txBody>
       </p:sp>
@@ -17677,23 +17945,7 @@
                 <a:ea typeface="Times New Roman" charset="0"/>
                 <a:cs typeface="Times New Roman" charset="0"/>
               </a:rPr>
-              <a:t>CC </a:t>
-            </a:r>
-            <a:r>
-              <a:rPr lang="en-US" sz="2800" dirty="0">
-                <a:latin typeface="Times New Roman" charset="0"/>
-                <a:ea typeface="Times New Roman" charset="0"/>
-                <a:cs typeface="Times New Roman" charset="0"/>
-              </a:rPr>
-              <a:t>BY-SA </a:t>
-            </a:r>
-            <a:r>
-              <a:rPr lang="en-US" sz="2800" dirty="0">
-                <a:latin typeface="Times New Roman" charset="0"/>
-                <a:ea typeface="Times New Roman" charset="0"/>
-                <a:cs typeface="Times New Roman" charset="0"/>
-              </a:rPr>
-              <a:t>4.0. To view a copy of this license, visit </a:t>
+              <a:t>CC BY-SA 4.0. To view a copy of this license, visit </a:t>
             </a:r>
             <a:r>
               <a:rPr lang="en-US" sz="2800" dirty="0">
@@ -17702,24 +17954,7 @@
                 <a:cs typeface="Times New Roman" charset="0"/>
                 <a:hlinkClick r:id="rId2"/>
               </a:rPr>
-              <a:t>https://</a:t>
-            </a:r>
-            <a:r>
-              <a:rPr lang="en-US" sz="2800" dirty="0">
-                <a:latin typeface="Times New Roman" charset="0"/>
-                <a:ea typeface="Times New Roman" charset="0"/>
-                <a:cs typeface="Times New Roman" charset="0"/>
-                <a:hlinkClick r:id="rId2"/>
-              </a:rPr>
-              <a:t>creativecommons.org/licenses/by-sa/4.0</a:t>
-            </a:r>
-            <a:r>
-              <a:rPr lang="en-US" sz="2800" dirty="0">
-                <a:latin typeface="Times New Roman" charset="0"/>
-                <a:ea typeface="Times New Roman" charset="0"/>
-                <a:cs typeface="Times New Roman" charset="0"/>
-              </a:rPr>
-              <a:t/>
+              <a:t>https://creativecommons.org/licenses/by-sa/4.0</a:t>
             </a:r>
             <a:br>
               <a:rPr lang="en-US" sz="2800" dirty="0">
@@ -17728,14 +17963,6 @@
                 <a:cs typeface="Times New Roman" charset="0"/>
               </a:rPr>
             </a:br>
-            <a:r>
-              <a:rPr lang="en-US" sz="2800" dirty="0">
-                <a:latin typeface="Times New Roman" charset="0"/>
-                <a:ea typeface="Times New Roman" charset="0"/>
-                <a:cs typeface="Times New Roman" charset="0"/>
-              </a:rPr>
-              <a:t/>
-            </a:r>
             <a:br>
               <a:rPr lang="en-US" sz="2800" dirty="0">
                 <a:latin typeface="Times New Roman" charset="0"/>
@@ -17760,14 +17987,6 @@
               </a:rPr>
               <a:t>http://shodor.org/petascale/materials/semester-curriculum</a:t>
             </a:r>
-            <a:r>
-              <a:rPr lang="en-US" sz="2800" dirty="0">
-                <a:latin typeface="Times New Roman" charset="0"/>
-                <a:ea typeface="Times New Roman" charset="0"/>
-                <a:cs typeface="Times New Roman" charset="0"/>
-              </a:rPr>
-              <a:t/>
-            </a:r>
             <a:br>
               <a:rPr lang="en-US" sz="2800" dirty="0">
                 <a:latin typeface="Times New Roman" charset="0"/>
@@ -17775,14 +17994,6 @@
                 <a:cs typeface="Times New Roman" charset="0"/>
               </a:rPr>
             </a:br>
-            <a:r>
-              <a:rPr lang="en-US" sz="2800" dirty="0">
-                <a:latin typeface="Times New Roman" charset="0"/>
-                <a:ea typeface="Times New Roman" charset="0"/>
-                <a:cs typeface="Times New Roman" charset="0"/>
-              </a:rPr>
-              <a:t/>
-            </a:r>
             <a:br>
               <a:rPr lang="en-US" sz="2800" dirty="0">
                 <a:latin typeface="Times New Roman" charset="0"/>
@@ -17807,14 +18018,6 @@
               </a:rPr>
               <a:t>https://github.com/shodor-education/petascale-semester-curriculum</a:t>
             </a:r>
-            <a:r>
-              <a:rPr lang="en-US" sz="2800" dirty="0">
-                <a:latin typeface="Times New Roman" charset="0"/>
-                <a:ea typeface="Times New Roman" charset="0"/>
-                <a:cs typeface="Times New Roman" charset="0"/>
-              </a:rPr>
-              <a:t/>
-            </a:r>
             <a:br>
               <a:rPr lang="en-US" sz="2800" dirty="0">
                 <a:latin typeface="Times New Roman" charset="0"/>
@@ -17822,14 +18025,6 @@
                 <a:cs typeface="Times New Roman" charset="0"/>
               </a:rPr>
             </a:br>
-            <a:r>
-              <a:rPr lang="en-US" sz="2800" dirty="0">
-                <a:latin typeface="Times New Roman" charset="0"/>
-                <a:ea typeface="Times New Roman" charset="0"/>
-                <a:cs typeface="Times New Roman" charset="0"/>
-              </a:rPr>
-              <a:t/>
-            </a:r>
             <a:br>
               <a:rPr lang="en-US" sz="2800" dirty="0">
                 <a:latin typeface="Times New Roman" charset="0"/>
@@ -18386,10 +18581,13 @@
               <a:buChar char="•"/>
             </a:pPr>
             <a:r>
-              <a:rPr lang="en-US"/>
-              <a:t>Numba is a compiler for Python array and numerical functions that speeds up the applications with high performance functions written directly in Python.</a:t>
+              <a:rPr lang="en-US" dirty="0" err="1"/>
+              <a:t>Numba</a:t>
             </a:r>
-            <a:endParaRPr/>
+            <a:r>
+              <a:rPr lang="en-US" dirty="0"/>
+              <a:t> is a compiler for Python array and numerical functions that speeds up the applications with high performance functions written directly in Python.</a:t>
+            </a:r>
           </a:p>
           <a:p>
             <a:pPr marL="228600" lvl="0" indent="-228600" algn="l" rtl="0">
@@ -18409,11 +18607,15 @@
               <a:buChar char="•"/>
             </a:pPr>
             <a:r>
-              <a:rPr lang="en-US"/>
-              <a:t>Numba generates optimized machine code from pure Python code using the </a:t>
+              <a:rPr lang="en-US" dirty="0" err="1"/>
+              <a:t>Numba</a:t>
             </a:r>
             <a:r>
-              <a:rPr lang="en-US" u="sng">
+              <a:rPr lang="en-US" dirty="0"/>
+              <a:t> generates optimized machine code from pure Python code using the </a:t>
+            </a:r>
+            <a:r>
+              <a:rPr lang="en-US" u="sng" dirty="0">
                 <a:solidFill>
                   <a:schemeClr val="hlink"/>
                 </a:solidFill>
@@ -18422,10 +18624,9 @@
               <a:t>LLVM compiler infrastructure</a:t>
             </a:r>
             <a:r>
-              <a:rPr lang="en-US"/>
+              <a:rPr lang="en-US" dirty="0"/>
               <a:t>. With a few simple annotations, array-oriented and math-heavy Python code can be just-in-time optimized to performance similar as C, C++ and Fortran, without having to switch languages or Python interpreters.</a:t>
             </a:r>
-            <a:endParaRPr/>
           </a:p>
         </p:txBody>
       </p:sp>
@@ -18554,10 +18755,14 @@
               <a:buChar char="•"/>
             </a:pPr>
             <a:r>
-              <a:rPr lang="en-US"/>
-              <a:t>Numba supports CUDA GPU programming by directly compiling a restricted subset of Python code into CUDA kernels and device functions following the CUDA execution model. </a:t>
+              <a:rPr lang="en-US" dirty="0" err="1"/>
+              <a:t>Numba</a:t>
             </a:r>
-            <a:endParaRPr/>
+            <a:r>
+              <a:rPr lang="en-US" dirty="0"/>
+              <a:t> supports CUDA GPU programming by directly compiling a restricted subset of Python code into CUDA kernels and device functions following the CUDA execution model. </a:t>
+            </a:r>
+            <a:endParaRPr dirty="0"/>
           </a:p>
           <a:p>
             <a:pPr marL="228600" lvl="0" indent="-228600" algn="l" rtl="0">
@@ -18577,10 +18782,18 @@
               <a:buChar char="•"/>
             </a:pPr>
             <a:r>
-              <a:rPr lang="en-US"/>
-              <a:t>Kernels written in Numba appear to have direct access to NumPy arrays. </a:t>
+              <a:rPr lang="en-US" dirty="0"/>
+              <a:t>Kernels written in </a:t>
             </a:r>
-            <a:endParaRPr/>
+            <a:r>
+              <a:rPr lang="en-US" dirty="0" err="1"/>
+              <a:t>Numba</a:t>
+            </a:r>
+            <a:r>
+              <a:rPr lang="en-US" dirty="0"/>
+              <a:t> appear to have direct access to NumPy arrays. </a:t>
+            </a:r>
+            <a:endParaRPr dirty="0"/>
           </a:p>
           <a:p>
             <a:pPr marL="228600" lvl="0" indent="-228600" algn="l" rtl="0">
@@ -18600,10 +18813,10 @@
               <a:buChar char="•"/>
             </a:pPr>
             <a:r>
-              <a:rPr lang="en-US"/>
+              <a:rPr lang="en-US" dirty="0"/>
               <a:t>NumPy arrays are transferred between the CPU and the GPU automatically.</a:t>
             </a:r>
-            <a:endParaRPr/>
+            <a:endParaRPr dirty="0"/>
           </a:p>
         </p:txBody>
       </p:sp>
@@ -19216,10 +19429,10 @@
               <a:buChar char="•"/>
             </a:pPr>
             <a:r>
-              <a:rPr lang="en-US" sz="2380"/>
+              <a:rPr lang="en-US" sz="2380" dirty="0"/>
               <a:t>CUDA has an execution model unlike the traditional sequential model used for programming CPUs. </a:t>
             </a:r>
-            <a:endParaRPr/>
+            <a:endParaRPr dirty="0"/>
           </a:p>
           <a:p>
             <a:pPr marL="685800" lvl="1" indent="-228600" algn="l" rtl="0">
@@ -19239,10 +19452,10 @@
               <a:buChar char="•"/>
             </a:pPr>
             <a:r>
-              <a:rPr lang="en-US" sz="2040"/>
+              <a:rPr lang="en-US" sz="2040" dirty="0"/>
               <a:t>In CUDA, the code you write will be executed by multiple threads at once (often hundreds or thousands). </a:t>
             </a:r>
-            <a:endParaRPr/>
+            <a:endParaRPr dirty="0"/>
           </a:p>
           <a:p>
             <a:pPr marL="685800" lvl="1" indent="-228600" algn="l" rtl="0">
@@ -19262,10 +19475,10 @@
               <a:buChar char="•"/>
             </a:pPr>
             <a:r>
-              <a:rPr lang="en-US" sz="2040"/>
+              <a:rPr lang="en-US" sz="2040" dirty="0"/>
               <a:t>Your solution will be modeled by defining a thread hierarchy of grid, blocks and threads.</a:t>
             </a:r>
-            <a:endParaRPr/>
+            <a:endParaRPr dirty="0"/>
           </a:p>
           <a:p>
             <a:pPr marL="228600" lvl="0" indent="-228600" algn="l" rtl="0">
@@ -19285,10 +19498,14 @@
               <a:buChar char="•"/>
             </a:pPr>
             <a:r>
-              <a:rPr lang="en-US" sz="2380"/>
-              <a:t>Numba’s CUDA support exposes facilities to declare and manage this hierarchy of threads. </a:t>
+              <a:rPr lang="en-US" sz="2380" dirty="0" err="1"/>
+              <a:t>Numba’s</a:t>
             </a:r>
-            <a:endParaRPr/>
+            <a:r>
+              <a:rPr lang="en-US" sz="2380" dirty="0"/>
+              <a:t> CUDA support exposes facilities to declare and manage this hierarchy of threads. </a:t>
+            </a:r>
+            <a:endParaRPr dirty="0"/>
           </a:p>
           <a:p>
             <a:pPr marL="685800" lvl="1" indent="-228600" algn="l" rtl="0">
@@ -19308,10 +19525,10 @@
               <a:buChar char="•"/>
             </a:pPr>
             <a:r>
-              <a:rPr lang="en-US" sz="2040"/>
+              <a:rPr lang="en-US" sz="2040" dirty="0"/>
               <a:t>The facilities are largely similar to those exposed by NVidia’s CUDA C language.</a:t>
             </a:r>
-            <a:endParaRPr/>
+            <a:endParaRPr dirty="0"/>
           </a:p>
           <a:p>
             <a:pPr marL="228600" lvl="0" indent="-228600" algn="l" rtl="0">
@@ -19331,10 +19548,14 @@
               <a:buChar char="•"/>
             </a:pPr>
             <a:r>
-              <a:rPr lang="en-US" sz="2380"/>
-              <a:t>Numba also exposes three kinds of GPU memory: </a:t>
+              <a:rPr lang="en-US" sz="2380" dirty="0" err="1"/>
+              <a:t>Numba</a:t>
             </a:r>
-            <a:endParaRPr/>
+            <a:r>
+              <a:rPr lang="en-US" sz="2380" dirty="0"/>
+              <a:t> also exposes three kinds of GPU memory: </a:t>
+            </a:r>
+            <a:endParaRPr dirty="0"/>
           </a:p>
           <a:p>
             <a:pPr marL="685800" lvl="1" indent="-228600" algn="l" rtl="0">
@@ -19354,10 +19575,10 @@
               <a:buChar char="•"/>
             </a:pPr>
             <a:r>
-              <a:rPr lang="en-US" sz="2040"/>
+              <a:rPr lang="en-US" sz="2040" dirty="0"/>
               <a:t>global device memory (the large, relatively slow off-chip memory that’s connected to the GPU itself), on-chip shared memory and local memory. </a:t>
             </a:r>
-            <a:endParaRPr/>
+            <a:endParaRPr dirty="0"/>
           </a:p>
           <a:p>
             <a:pPr marL="685800" lvl="1" indent="-228600" algn="l" rtl="0">
@@ -19377,10 +19598,10 @@
               <a:buChar char="•"/>
             </a:pPr>
             <a:r>
-              <a:rPr lang="en-US" sz="2040"/>
+              <a:rPr lang="en-US" sz="2040" dirty="0"/>
               <a:t>For all but the simplest algorithms, it is important that you carefully consider how to use and access memory in order to minimize bandwidth requirements and contention.</a:t>
             </a:r>
-            <a:endParaRPr/>
+            <a:endParaRPr dirty="0"/>
           </a:p>
         </p:txBody>
       </p:sp>
